--- a/Презентация.pptx
+++ b/Презентация.pptx
@@ -3851,7 +3851,7 @@
         </p:blipFill>
         <p:spPr bwMode="auto">
           <a:xfrm>
-            <a:off x="1109934" y="3822398"/>
+            <a:off x="1005159" y="3853815"/>
             <a:ext cx="2171700" cy="2171700"/>
           </a:xfrm>
           <a:prstGeom prst="rect">
@@ -4360,7 +4360,7 @@
           <a:bodyPr/>
           <a:lstStyle/>
           <a:p>
-            <a:endParaRPr lang="ru-RU"/>
+            <a:endParaRPr lang="ru-RU" dirty="0"/>
           </a:p>
         </p:txBody>
       </p:sp>
@@ -4380,6 +4380,19 @@
 <file path=ppt/slides/slide7.xml><?xml version="1.0" encoding="utf-8"?>
 <p:sld xmlns:a="http://schemas.openxmlformats.org/drawingml/2006/main" xmlns:r="http://schemas.openxmlformats.org/officeDocument/2006/relationships" xmlns:p="http://schemas.openxmlformats.org/presentationml/2006/main">
   <p:cSld>
+    <p:bg>
+      <p:bgPr>
+        <a:pattFill prst="pct10">
+          <a:fgClr>
+            <a:schemeClr val="accent1"/>
+          </a:fgClr>
+          <a:bgClr>
+            <a:schemeClr val="bg1"/>
+          </a:bgClr>
+        </a:pattFill>
+        <a:effectLst/>
+      </p:bgPr>
+    </p:bg>
     <p:spTree>
       <p:nvGrpSpPr>
         <p:cNvPr id="1" name=""/>
@@ -4443,11 +4456,19 @@
           <a:bodyPr/>
           <a:lstStyle/>
           <a:p>
-            <a:r>
-              <a:rPr lang="en-US" dirty="0"/>
+            <a:pPr marL="0" indent="0">
+              <a:buNone/>
+            </a:pPr>
+            <a:r>
+              <a:rPr lang="en-US" dirty="0">
+                <a:hlinkClick r:id="rId2"/>
+              </a:rPr>
               <a:t>https://github.com/PoGen-dev/hackathon/</a:t>
             </a:r>
-            <a:endParaRPr lang="ru-RU" dirty="0"/>
+            <a:r>
+              <a:rPr lang="ru-RU" dirty="0"/>
+              <a:t> </a:t>
+            </a:r>
           </a:p>
         </p:txBody>
       </p:sp>
@@ -4467,6 +4488,19 @@
 <file path=ppt/slides/slide8.xml><?xml version="1.0" encoding="utf-8"?>
 <p:sld xmlns:a="http://schemas.openxmlformats.org/drawingml/2006/main" xmlns:r="http://schemas.openxmlformats.org/officeDocument/2006/relationships" xmlns:p="http://schemas.openxmlformats.org/presentationml/2006/main">
   <p:cSld>
+    <p:bg>
+      <p:bgPr>
+        <a:pattFill prst="pct10">
+          <a:fgClr>
+            <a:schemeClr val="accent1"/>
+          </a:fgClr>
+          <a:bgClr>
+            <a:schemeClr val="bg1"/>
+          </a:bgClr>
+        </a:pattFill>
+        <a:effectLst/>
+      </p:bgPr>
+    </p:bg>
     <p:spTree>
       <p:nvGrpSpPr>
         <p:cNvPr id="1" name=""/>
@@ -4586,17 +4620,8 @@
               <a:rPr lang="ru-RU" dirty="0">
                 <a:latin typeface="+mj-lt"/>
               </a:rPr>
-              <a:t>Байдин </a:t>
-            </a:r>
-            <a:r>
-              <a:rPr lang="ru-RU">
-                <a:latin typeface="+mj-lt"/>
-              </a:rPr>
-              <a:t>Иван Александрович</a:t>
-            </a:r>
-            <a:endParaRPr lang="ru-RU" dirty="0">
-              <a:latin typeface="+mj-lt"/>
-            </a:endParaRPr>
+              <a:t>Байдин Иван Александрович</a:t>
+            </a:r>
           </a:p>
         </p:txBody>
       </p:sp>
@@ -4616,6 +4641,19 @@
 <file path=ppt/slides/slide9.xml><?xml version="1.0" encoding="utf-8"?>
 <p:sld xmlns:a="http://schemas.openxmlformats.org/drawingml/2006/main" xmlns:r="http://schemas.openxmlformats.org/officeDocument/2006/relationships" xmlns:p="http://schemas.openxmlformats.org/presentationml/2006/main">
   <p:cSld>
+    <p:bg>
+      <p:bgPr>
+        <a:pattFill prst="pct10">
+          <a:fgClr>
+            <a:schemeClr val="accent1"/>
+          </a:fgClr>
+          <a:bgClr>
+            <a:schemeClr val="bg1"/>
+          </a:bgClr>
+        </a:pattFill>
+        <a:effectLst/>
+      </p:bgPr>
+    </p:bg>
     <p:spTree>
       <p:nvGrpSpPr>
         <p:cNvPr id="1" name=""/>
